--- a/_PowerPoints/1st Semester/Unit 3 Logarithms/PreCalc_Day_026 3.5 Models.pptx
+++ b/_PowerPoints/1st Semester/Unit 3 Logarithms/PreCalc_Day_026 3.5 Models.pptx
@@ -288,7 +288,7 @@
             <a:fld id="{87DE6118-2437-4B30-8E3C-4D2BE6020583}" type="datetimeFigureOut">
               <a:rPr lang="en-US" dirty="0"/>
               <a:pPr/>
-              <a:t>11/7/2017</a:t>
+              <a:t>11/14/2018</a:t>
             </a:fld>
             <a:endParaRPr lang="en-US" dirty="0"/>
           </a:p>
@@ -614,7 +614,7 @@
           <a:p>
             <a:fld id="{87DE6118-2437-4B30-8E3C-4D2BE6020583}" type="datetimeFigureOut">
               <a:rPr lang="en-US" dirty="0"/>
-              <a:t>11/7/2017</a:t>
+              <a:t>11/14/2018</a:t>
             </a:fld>
             <a:endParaRPr lang="en-US" dirty="0"/>
           </a:p>
@@ -789,7 +789,7 @@
           <a:p>
             <a:fld id="{87DE6118-2437-4B30-8E3C-4D2BE6020583}" type="datetimeFigureOut">
               <a:rPr lang="en-US" dirty="0"/>
-              <a:t>11/7/2017</a:t>
+              <a:t>11/14/2018</a:t>
             </a:fld>
             <a:endParaRPr lang="en-US" dirty="0"/>
           </a:p>
@@ -954,7 +954,7 @@
           <a:p>
             <a:fld id="{87DE6118-2437-4B30-8E3C-4D2BE6020583}" type="datetimeFigureOut">
               <a:rPr lang="en-US" dirty="0"/>
-              <a:t>11/7/2017</a:t>
+              <a:t>11/14/2018</a:t>
             </a:fld>
             <a:endParaRPr lang="en-US" dirty="0"/>
           </a:p>
@@ -1227,7 +1227,7 @@
             <a:fld id="{87DE6118-2437-4B30-8E3C-4D2BE6020583}" type="datetimeFigureOut">
               <a:rPr lang="en-US" dirty="0"/>
               <a:pPr/>
-              <a:t>11/7/2017</a:t>
+              <a:t>11/14/2018</a:t>
             </a:fld>
             <a:endParaRPr lang="en-US" dirty="0"/>
           </a:p>
@@ -1617,7 +1617,7 @@
           <a:p>
             <a:fld id="{87DE6118-2437-4B30-8E3C-4D2BE6020583}" type="datetimeFigureOut">
               <a:rPr lang="en-US" dirty="0"/>
-              <a:t>11/7/2017</a:t>
+              <a:t>11/14/2018</a:t>
             </a:fld>
             <a:endParaRPr lang="en-US" dirty="0"/>
           </a:p>
@@ -2089,7 +2089,7 @@
           <a:p>
             <a:fld id="{87DE6118-2437-4B30-8E3C-4D2BE6020583}" type="datetimeFigureOut">
               <a:rPr lang="en-US" dirty="0"/>
-              <a:t>11/7/2017</a:t>
+              <a:t>11/14/2018</a:t>
             </a:fld>
             <a:endParaRPr lang="en-US" dirty="0"/>
           </a:p>
@@ -2202,7 +2202,7 @@
           <a:p>
             <a:fld id="{87DE6118-2437-4B30-8E3C-4D2BE6020583}" type="datetimeFigureOut">
               <a:rPr lang="en-US" dirty="0"/>
-              <a:t>11/7/2017</a:t>
+              <a:t>11/14/2018</a:t>
             </a:fld>
             <a:endParaRPr lang="en-US" dirty="0"/>
           </a:p>
@@ -2292,7 +2292,7 @@
           <a:p>
             <a:fld id="{87DE6118-2437-4B30-8E3C-4D2BE6020583}" type="datetimeFigureOut">
               <a:rPr lang="en-US" dirty="0"/>
-              <a:t>11/7/2017</a:t>
+              <a:t>11/14/2018</a:t>
             </a:fld>
             <a:endParaRPr lang="en-US" dirty="0"/>
           </a:p>
@@ -2634,7 +2634,7 @@
             <a:fld id="{87DE6118-2437-4B30-8E3C-4D2BE6020583}" type="datetimeFigureOut">
               <a:rPr lang="en-US" dirty="0"/>
               <a:pPr/>
-              <a:t>11/7/2017</a:t>
+              <a:t>11/14/2018</a:t>
             </a:fld>
             <a:endParaRPr lang="en-US" dirty="0"/>
           </a:p>
@@ -3019,7 +3019,7 @@
             <a:fld id="{87DE6118-2437-4B30-8E3C-4D2BE6020583}" type="datetimeFigureOut">
               <a:rPr lang="en-US" dirty="0"/>
               <a:pPr/>
-              <a:t>11/7/2017</a:t>
+              <a:t>11/14/2018</a:t>
             </a:fld>
             <a:endParaRPr lang="en-US" dirty="0"/>
           </a:p>
@@ -3294,7 +3294,7 @@
             <a:fld id="{87DE6118-2437-4B30-8E3C-4D2BE6020583}" type="datetimeFigureOut">
               <a:rPr lang="en-US" dirty="0"/>
               <a:pPr/>
-              <a:t>11/7/2017</a:t>
+              <a:t>11/14/2018</a:t>
             </a:fld>
             <a:endParaRPr lang="en-US" dirty="0"/>
           </a:p>
@@ -4405,8 +4405,8 @@
           </a:p>
         </p:txBody>
       </p:sp>
-      <mc:AlternateContent xmlns:mc="http://schemas.openxmlformats.org/markup-compatibility/2006" xmlns:a14="http://schemas.microsoft.com/office/drawing/2010/main">
-        <mc:Choice Requires="a14">
+      <mc:AlternateContent xmlns:mc="http://schemas.openxmlformats.org/markup-compatibility/2006">
+        <mc:Choice xmlns:a14="http://schemas.microsoft.com/office/drawing/2010/main" Requires="a14">
           <p:sp>
             <p:nvSpPr>
               <p:cNvPr id="3" name="Content Placeholder 2"/>
@@ -4433,7 +4433,7 @@
                   <a:buNone/>
                 </a:pPr>
                 <a:r>
-                  <a:rPr lang="en-US" sz="3000" b="1" dirty="0"/>
+                  <a:rPr lang="en-US" sz="3000" b="1" dirty="0" smtClean="0"/>
                   <a:t>Exponential Growth:</a:t>
                 </a:r>
                 <a14:m>
@@ -4707,10 +4707,16 @@
                           <a:rPr lang="en-US" sz="3000" i="1">
                             <a:latin typeface="Cambria Math" panose="02040503050406030204" pitchFamily="18" charset="0"/>
                           </a:rPr>
-                          <m:t>𝑃𝑒𝑟</m:t>
+                          <m:t>𝑃𝑒</m:t>
                         </m:r>
                       </m:e>
                       <m:sup>
+                        <m:r>
+                          <a:rPr lang="en-US" sz="3000" b="0" i="1" smtClean="0">
+                            <a:latin typeface="Cambria Math" panose="02040503050406030204" pitchFamily="18" charset="0"/>
+                          </a:rPr>
+                          <m:t>𝑟</m:t>
+                        </m:r>
                         <m:r>
                           <a:rPr lang="en-US" sz="3000" i="1">
                             <a:latin typeface="Cambria Math" panose="02040503050406030204" pitchFamily="18" charset="0"/>
@@ -4732,7 +4738,7 @@
             </p:txBody>
           </p:sp>
         </mc:Choice>
-        <mc:Fallback xmlns="">
+        <mc:Fallback>
           <p:sp>
             <p:nvSpPr>
               <p:cNvPr id="3" name="Content Placeholder 2"/>
@@ -4751,7 +4757,7 @@
               <a:blipFill rotWithShape="0">
                 <a:blip r:embed="rId2"/>
                 <a:stretch>
-                  <a:fillRect l="-1685" t="-1693"/>
+                  <a:fillRect l="-1685" t="-1935"/>
                 </a:stretch>
               </a:blipFill>
             </p:spPr>
@@ -4780,6 +4786,13 @@
   <p:clrMapOvr>
     <a:masterClrMapping/>
   </p:clrMapOvr>
+  <p:timing>
+    <p:tnLst>
+      <p:par>
+        <p:cTn id="1" dur="indefinite" restart="never" nodeType="tmRoot"/>
+      </p:par>
+    </p:tnLst>
+  </p:timing>
 </p:sld>
 </file>
 
@@ -4885,6 +4898,13 @@
   <p:clrMapOvr>
     <a:masterClrMapping/>
   </p:clrMapOvr>
+  <p:timing>
+    <p:tnLst>
+      <p:par>
+        <p:cTn id="1" dur="indefinite" restart="never" nodeType="tmRoot"/>
+      </p:par>
+    </p:tnLst>
+  </p:timing>
 </p:sld>
 </file>
 
@@ -4954,11 +4974,7 @@
             </a:r>
             <a:r>
               <a:rPr lang="en-US" sz="3400" smtClean="0"/>
-              <a:t>, </a:t>
-            </a:r>
-            <a:r>
-              <a:rPr lang="en-US" sz="3400" smtClean="0"/>
-              <a:t>43, 59</a:t>
+              <a:t>, 43, 59</a:t>
             </a:r>
             <a:r>
               <a:rPr lang="en-US" sz="3400" dirty="0" smtClean="0"/>
